--- a/paper/iran_iceh/Pharmer_Presentation.pptx
+++ b/paper/iran_iceh/Pharmer_Presentation.pptx
@@ -206,7 +206,7 @@
             <a:fld id="{C3FE15BE-10D0-41C0-B470-A3CA0C754E55}" type="datetimeFigureOut">
               <a:rPr lang="en-US" smtClean="0"/>
               <a:pPr/>
-              <a:t>11/19/2012</a:t>
+              <a:t>11/20/2012</a:t>
             </a:fld>
             <a:endParaRPr lang="en-US"/>
           </a:p>
@@ -1131,7 +1131,7 @@
             <a:fld id="{5A6CADF9-B36D-4977-96AB-F70F3D4986FA}" type="datetime3">
               <a:rPr lang="en-US" smtClean="0"/>
               <a:pPr/>
-              <a:t>19 November 2012</a:t>
+              <a:t>20 November 2012</a:t>
             </a:fld>
             <a:endParaRPr lang="en-US"/>
           </a:p>
@@ -1316,7 +1316,7 @@
             <a:fld id="{7E9C0813-1AA2-43BF-AF39-5371724EBD70}" type="datetime3">
               <a:rPr lang="en-US" smtClean="0"/>
               <a:pPr/>
-              <a:t>19 November 2012</a:t>
+              <a:t>20 November 2012</a:t>
             </a:fld>
             <a:endParaRPr lang="en-US"/>
           </a:p>
@@ -1493,7 +1493,7 @@
             <a:fld id="{A2BCD4A3-AD48-42C8-BF69-AABC6289BDD2}" type="datetime3">
               <a:rPr lang="en-US" smtClean="0"/>
               <a:pPr/>
-              <a:t>19 November 2012</a:t>
+              <a:t>20 November 2012</a:t>
             </a:fld>
             <a:endParaRPr lang="en-US"/>
           </a:p>
@@ -1660,7 +1660,7 @@
             <a:fld id="{9E42EAA2-6CA5-4214-98EF-CFBB313B958A}" type="datetime3">
               <a:rPr lang="en-US" smtClean="0"/>
               <a:pPr/>
-              <a:t>19 November 2012</a:t>
+              <a:t>20 November 2012</a:t>
             </a:fld>
             <a:endParaRPr lang="en-US"/>
           </a:p>
@@ -1883,7 +1883,7 @@
             <a:fld id="{C85291A2-E50B-44CD-91DF-10C690B43752}" type="datetime3">
               <a:rPr lang="en-US" smtClean="0"/>
               <a:pPr/>
-              <a:t>19 November 2012</a:t>
+              <a:t>20 November 2012</a:t>
             </a:fld>
             <a:endParaRPr lang="en-US"/>
           </a:p>
@@ -2144,7 +2144,7 @@
             <a:fld id="{6C7D4B37-F4B9-42A7-99F4-0DA080D9BA5E}" type="datetime3">
               <a:rPr lang="en-US" smtClean="0"/>
               <a:pPr/>
-              <a:t>19 November 2012</a:t>
+              <a:t>20 November 2012</a:t>
             </a:fld>
             <a:endParaRPr lang="en-US"/>
           </a:p>
@@ -2550,7 +2550,7 @@
             <a:fld id="{D6D989E0-D13D-456B-ABD0-C2A945DC64AB}" type="datetime3">
               <a:rPr lang="en-US" smtClean="0"/>
               <a:pPr/>
-              <a:t>19 November 2012</a:t>
+              <a:t>20 November 2012</a:t>
             </a:fld>
             <a:endParaRPr lang="en-US"/>
           </a:p>
@@ -2683,7 +2683,7 @@
             <a:fld id="{C1DBCD4D-D5A1-487F-AE96-826F37D93FF2}" type="datetime3">
               <a:rPr lang="en-US" smtClean="0"/>
               <a:pPr/>
-              <a:t>19 November 2012</a:t>
+              <a:t>20 November 2012</a:t>
             </a:fld>
             <a:endParaRPr lang="en-US"/>
           </a:p>
@@ -2785,7 +2785,7 @@
             <a:fld id="{A4C0AB44-FC36-4D38-83BE-613871EE3C6C}" type="datetime3">
               <a:rPr lang="en-US" smtClean="0"/>
               <a:pPr/>
-              <a:t>19 November 2012</a:t>
+              <a:t>20 November 2012</a:t>
             </a:fld>
             <a:endParaRPr lang="en-US"/>
           </a:p>
@@ -3032,7 +3032,7 @@
             <a:fld id="{3435C13B-0FD6-4CA8-A944-BB9DECF6EB06}" type="datetime3">
               <a:rPr lang="en-US" smtClean="0"/>
               <a:pPr/>
-              <a:t>19 November 2012</a:t>
+              <a:t>20 November 2012</a:t>
             </a:fld>
             <a:endParaRPr lang="en-US"/>
           </a:p>
@@ -3278,7 +3278,7 @@
             <a:fld id="{B4753FA3-5F31-4AE1-B27D-B54144FC4DD7}" type="datetime3">
               <a:rPr lang="en-US" smtClean="0"/>
               <a:pPr/>
-              <a:t>19 November 2012</a:t>
+              <a:t>20 November 2012</a:t>
             </a:fld>
             <a:endParaRPr lang="en-US"/>
           </a:p>
@@ -4104,7 +4104,7 @@
             <a:fld id="{1F634619-18CA-4966-932D-04327250840E}" type="datetime3">
               <a:rPr lang="en-US" smtClean="0"/>
               <a:pPr/>
-              <a:t>19 November 2012</a:t>
+              <a:t>20 November 2012</a:t>
             </a:fld>
             <a:endParaRPr lang="en-US"/>
           </a:p>
@@ -4751,11 +4751,7 @@
           <a:p>
             <a:r>
               <a:rPr lang="en-US" dirty="0" smtClean="0"/>
-              <a:t>Pharmer: </a:t>
-            </a:r>
-            <a:r>
-              <a:rPr lang="en-US" dirty="0" smtClean="0"/>
-              <a:t>Ecosystem</a:t>
+              <a:t>Pharmer: Ecosystem</a:t>
             </a:r>
             <a:br>
               <a:rPr lang="en-US" dirty="0" smtClean="0"/>
@@ -4821,7 +4817,7 @@
             <a:fld id="{CC03901C-FA64-4075-A8A6-EEB9CC0D87B2}" type="datetime3">
               <a:rPr lang="en-US" smtClean="0"/>
               <a:pPr/>
-              <a:t>19 November 2012</a:t>
+              <a:t>20 November 2012</a:t>
             </a:fld>
             <a:endParaRPr lang="en-US"/>
           </a:p>
@@ -4982,14 +4978,7 @@
                 <a:latin typeface="Arial" pitchFamily="34" charset="0"/>
                 <a:cs typeface="Arial" pitchFamily="34" charset="0"/>
               </a:rPr>
-              <a:t>A </a:t>
-            </a:r>
-            <a:r>
-              <a:rPr lang="en-US" dirty="0" smtClean="0">
-                <a:latin typeface="Arial" pitchFamily="34" charset="0"/>
-                <a:cs typeface="Arial" pitchFamily="34" charset="0"/>
-              </a:rPr>
-              <a:t>usability user study with </a:t>
+              <a:t>A usability user study with </a:t>
             </a:r>
             <a:r>
               <a:rPr lang="en-US" b="1" dirty="0" smtClean="0">
@@ -5003,38 +4992,17 @@
                 <a:latin typeface="Arial" pitchFamily="34" charset="0"/>
                 <a:cs typeface="Arial" pitchFamily="34" charset="0"/>
               </a:rPr>
-              <a:t> </a:t>
-            </a:r>
+              <a:t> subjects</a:t>
+            </a:r>
+          </a:p>
+          <a:p>
+            <a:pPr lvl="1"/>
             <a:r>
               <a:rPr lang="en-US" dirty="0" smtClean="0">
                 <a:latin typeface="Arial" pitchFamily="34" charset="0"/>
                 <a:cs typeface="Arial" pitchFamily="34" charset="0"/>
               </a:rPr>
-              <a:t>subjects</a:t>
-            </a:r>
-          </a:p>
-          <a:p>
-            <a:pPr lvl="1"/>
-            <a:r>
-              <a:rPr lang="en-US" dirty="0" smtClean="0">
-                <a:latin typeface="Arial" pitchFamily="34" charset="0"/>
-                <a:cs typeface="Arial" pitchFamily="34" charset="0"/>
-              </a:rPr>
-              <a:t>3 </a:t>
-            </a:r>
-            <a:r>
-              <a:rPr lang="en-US" dirty="0" smtClean="0">
-                <a:latin typeface="Arial" pitchFamily="34" charset="0"/>
-                <a:cs typeface="Arial" pitchFamily="34" charset="0"/>
-              </a:rPr>
-              <a:t>physicians, 3 pharmacist, 3 pharmaceutical researchers and 3 </a:t>
-            </a:r>
-            <a:r>
-              <a:rPr lang="en-US" dirty="0" smtClean="0">
-                <a:latin typeface="Arial" pitchFamily="34" charset="0"/>
-                <a:cs typeface="Arial" pitchFamily="34" charset="0"/>
-              </a:rPr>
-              <a:t>students</a:t>
+              <a:t>3 physicians, 3 pharmacist, 3 pharmaceutical researchers and 3 students</a:t>
             </a:r>
           </a:p>
           <a:p>
@@ -5056,19 +5024,21 @@
                 <a:latin typeface="Arial" pitchFamily="34" charset="0"/>
                 <a:cs typeface="Arial" pitchFamily="34" charset="0"/>
               </a:rPr>
-              <a:t>A </a:t>
-            </a:r>
+              <a:t>A tutorial video of using different features of Pharmer </a:t>
+            </a:r>
+          </a:p>
+          <a:p>
+            <a:pPr marL="925830" lvl="1" indent="-514350">
+              <a:buFont typeface="+mj-lt"/>
+              <a:buAutoNum type="arabicPeriod"/>
+            </a:pPr>
             <a:r>
               <a:rPr lang="en-US" dirty="0" smtClean="0">
                 <a:latin typeface="Arial" pitchFamily="34" charset="0"/>
                 <a:cs typeface="Arial" pitchFamily="34" charset="0"/>
               </a:rPr>
-              <a:t>tutorial video of using different features of Pharmer </a:t>
-            </a:r>
-            <a:endParaRPr lang="en-US" dirty="0" smtClean="0">
-              <a:latin typeface="Arial" pitchFamily="34" charset="0"/>
-              <a:cs typeface="Arial" pitchFamily="34" charset="0"/>
-            </a:endParaRPr>
+              <a:t>Participants were asked to create a prescription with Pharmer</a:t>
+            </a:r>
           </a:p>
           <a:p>
             <a:pPr marL="925830" lvl="1" indent="-514350">
@@ -5080,55 +5050,7 @@
                 <a:latin typeface="Arial" pitchFamily="34" charset="0"/>
                 <a:cs typeface="Arial" pitchFamily="34" charset="0"/>
               </a:rPr>
-              <a:t>Participants were asked to </a:t>
-            </a:r>
-            <a:r>
-              <a:rPr lang="en-US" dirty="0" smtClean="0">
-                <a:latin typeface="Arial" pitchFamily="34" charset="0"/>
-                <a:cs typeface="Arial" pitchFamily="34" charset="0"/>
-              </a:rPr>
-              <a:t>create a prescription with </a:t>
-            </a:r>
-            <a:r>
-              <a:rPr lang="en-US" dirty="0" smtClean="0">
-                <a:latin typeface="Arial" pitchFamily="34" charset="0"/>
-                <a:cs typeface="Arial" pitchFamily="34" charset="0"/>
-              </a:rPr>
-              <a:t>Pharmer</a:t>
-            </a:r>
-          </a:p>
-          <a:p>
-            <a:pPr marL="925830" lvl="1" indent="-514350">
-              <a:buFont typeface="+mj-lt"/>
-              <a:buAutoNum type="arabicPeriod"/>
-            </a:pPr>
-            <a:r>
-              <a:rPr lang="en-US" dirty="0" smtClean="0">
-                <a:latin typeface="Arial" pitchFamily="34" charset="0"/>
-                <a:cs typeface="Arial" pitchFamily="34" charset="0"/>
-              </a:rPr>
-              <a:t>A</a:t>
-            </a:r>
-            <a:r>
-              <a:rPr lang="en-US" dirty="0" smtClean="0">
-                <a:latin typeface="Arial" pitchFamily="34" charset="0"/>
-                <a:cs typeface="Arial" pitchFamily="34" charset="0"/>
-              </a:rPr>
-              <a:t> questionnaire addressing feature </a:t>
-            </a:r>
-            <a:r>
-              <a:rPr lang="en-US" dirty="0" smtClean="0">
-                <a:latin typeface="Arial" pitchFamily="34" charset="0"/>
-                <a:cs typeface="Arial" pitchFamily="34" charset="0"/>
-              </a:rPr>
-              <a:t>usage questions and usability experience questions</a:t>
-            </a:r>
-            <a:r>
-              <a:rPr lang="en-US" dirty="0" smtClean="0">
-                <a:latin typeface="Arial" pitchFamily="34" charset="0"/>
-                <a:cs typeface="Arial" pitchFamily="34" charset="0"/>
-              </a:rPr>
-              <a:t>.</a:t>
+              <a:t>A questionnaire addressing feature usage questions and usability experience questions.</a:t>
             </a:r>
           </a:p>
           <a:p>
@@ -5148,14 +5070,7 @@
                 <a:latin typeface="Arial" pitchFamily="34" charset="0"/>
                 <a:cs typeface="Arial" pitchFamily="34" charset="0"/>
               </a:rPr>
-              <a:t>Usability </a:t>
-            </a:r>
-            <a:r>
-              <a:rPr lang="en-US" dirty="0" smtClean="0">
-                <a:latin typeface="Arial" pitchFamily="34" charset="0"/>
-                <a:cs typeface="Arial" pitchFamily="34" charset="0"/>
-              </a:rPr>
-              <a:t>score of </a:t>
+              <a:t>Usability score of </a:t>
             </a:r>
             <a:r>
               <a:rPr lang="en-US" b="1" dirty="0" smtClean="0">
@@ -5169,14 +5084,7 @@
                 <a:latin typeface="Arial" pitchFamily="34" charset="0"/>
                 <a:cs typeface="Arial" pitchFamily="34" charset="0"/>
               </a:rPr>
-              <a:t> </a:t>
-            </a:r>
-            <a:r>
-              <a:rPr lang="en-US" dirty="0" smtClean="0">
-                <a:latin typeface="Arial" pitchFamily="34" charset="0"/>
-                <a:cs typeface="Arial" pitchFamily="34" charset="0"/>
-              </a:rPr>
-              <a:t>(</a:t>
+              <a:t> (</a:t>
             </a:r>
             <a:r>
               <a:rPr lang="en-US" dirty="0" smtClean="0"/>
@@ -5197,10 +5105,6 @@
               </a:rPr>
               <a:t>)</a:t>
             </a:r>
-            <a:endParaRPr lang="en-US" dirty="0" smtClean="0">
-              <a:latin typeface="Arial" pitchFamily="34" charset="0"/>
-              <a:cs typeface="Arial" pitchFamily="34" charset="0"/>
-            </a:endParaRPr>
           </a:p>
           <a:p>
             <a:endParaRPr lang="en-US" dirty="0">
@@ -5228,7 +5132,7 @@
             <a:fld id="{B60121D2-ECB2-464D-AEDF-8CA55A0CD0F1}" type="datetime3">
               <a:rPr lang="en-US" smtClean="0"/>
               <a:pPr/>
-              <a:t>19 November 2012</a:t>
+              <a:t>20 November 2012</a:t>
             </a:fld>
             <a:endParaRPr lang="en-US"/>
           </a:p>
@@ -5403,95 +5307,25 @@
                 <a:latin typeface="Arial" pitchFamily="34" charset="0"/>
                 <a:cs typeface="Arial" pitchFamily="34" charset="0"/>
               </a:rPr>
-              <a:t>D</a:t>
-            </a:r>
+              <a:t>Defining health record models based on Pharmer,</a:t>
+            </a:r>
+          </a:p>
+          <a:p>
             <a:r>
               <a:rPr lang="en-US" dirty="0" smtClean="0">
                 <a:latin typeface="Arial" pitchFamily="34" charset="0"/>
                 <a:cs typeface="Arial" pitchFamily="34" charset="0"/>
               </a:rPr>
-              <a:t>efining </a:t>
-            </a:r>
+              <a:t> Educating people to get familiar to the new system and its advantages</a:t>
+            </a:r>
+          </a:p>
+          <a:p>
             <a:r>
               <a:rPr lang="en-US" dirty="0" smtClean="0">
                 <a:latin typeface="Arial" pitchFamily="34" charset="0"/>
                 <a:cs typeface="Arial" pitchFamily="34" charset="0"/>
               </a:rPr>
-              <a:t>health record models based on </a:t>
-            </a:r>
-            <a:r>
-              <a:rPr lang="en-US" dirty="0" smtClean="0">
-                <a:latin typeface="Arial" pitchFamily="34" charset="0"/>
-                <a:cs typeface="Arial" pitchFamily="34" charset="0"/>
-              </a:rPr>
-              <a:t>Pharmer,</a:t>
-            </a:r>
-          </a:p>
-          <a:p>
-            <a:r>
-              <a:rPr lang="en-US" dirty="0" smtClean="0">
-                <a:latin typeface="Arial" pitchFamily="34" charset="0"/>
-                <a:cs typeface="Arial" pitchFamily="34" charset="0"/>
-              </a:rPr>
-              <a:t> Educating </a:t>
-            </a:r>
-            <a:r>
-              <a:rPr lang="en-US" dirty="0" smtClean="0">
-                <a:latin typeface="Arial" pitchFamily="34" charset="0"/>
-                <a:cs typeface="Arial" pitchFamily="34" charset="0"/>
-              </a:rPr>
-              <a:t>people to get familiar to the new </a:t>
-            </a:r>
-            <a:r>
-              <a:rPr lang="en-US" dirty="0" smtClean="0">
-                <a:latin typeface="Arial" pitchFamily="34" charset="0"/>
-                <a:cs typeface="Arial" pitchFamily="34" charset="0"/>
-              </a:rPr>
-              <a:t>system</a:t>
-            </a:r>
-            <a:r>
-              <a:rPr lang="en-US" dirty="0" smtClean="0">
-                <a:latin typeface="Arial" pitchFamily="34" charset="0"/>
-                <a:cs typeface="Arial" pitchFamily="34" charset="0"/>
-              </a:rPr>
-              <a:t> </a:t>
-            </a:r>
-            <a:r>
-              <a:rPr lang="en-US" dirty="0" smtClean="0">
-                <a:latin typeface="Arial" pitchFamily="34" charset="0"/>
-                <a:cs typeface="Arial" pitchFamily="34" charset="0"/>
-              </a:rPr>
-              <a:t>and its advantages</a:t>
-            </a:r>
-          </a:p>
-          <a:p>
-            <a:r>
-              <a:rPr lang="en-US" dirty="0" smtClean="0">
-                <a:latin typeface="Arial" pitchFamily="34" charset="0"/>
-                <a:cs typeface="Arial" pitchFamily="34" charset="0"/>
-              </a:rPr>
-              <a:t>I</a:t>
-            </a:r>
-            <a:r>
-              <a:rPr lang="en-US" dirty="0" smtClean="0">
-                <a:latin typeface="Arial" pitchFamily="34" charset="0"/>
-                <a:cs typeface="Arial" pitchFamily="34" charset="0"/>
-              </a:rPr>
-              <a:t>nternet </a:t>
-            </a:r>
-            <a:r>
-              <a:rPr lang="en-US" dirty="0" smtClean="0">
-                <a:latin typeface="Arial" pitchFamily="34" charset="0"/>
-                <a:cs typeface="Arial" pitchFamily="34" charset="0"/>
-              </a:rPr>
-              <a:t>access </a:t>
-            </a:r>
-            <a:r>
-              <a:rPr lang="en-US" dirty="0" smtClean="0">
-                <a:latin typeface="Arial" pitchFamily="34" charset="0"/>
-                <a:cs typeface="Arial" pitchFamily="34" charset="0"/>
-              </a:rPr>
-              <a:t>limitation</a:t>
+              <a:t>Internet access limitation</a:t>
             </a:r>
             <a:endParaRPr lang="en-US" dirty="0">
               <a:latin typeface="Arial" pitchFamily="34" charset="0"/>
@@ -5518,7 +5352,7 @@
             <a:fld id="{7C810030-2C5E-439D-B970-B3A02E87CC71}" type="datetime3">
               <a:rPr lang="en-US" smtClean="0"/>
               <a:pPr/>
-              <a:t>19 November 2012</a:t>
+              <a:t>20 November 2012</a:t>
             </a:fld>
             <a:endParaRPr lang="en-US"/>
           </a:p>
@@ -5712,14 +5546,7 @@
                 <a:latin typeface="Arial" pitchFamily="34" charset="0"/>
                 <a:cs typeface="Arial" pitchFamily="34" charset="0"/>
               </a:rPr>
-              <a:t>Providing a consistent connection between patients, physicians, pharmacists, pharmaceutical researchers and drug companies is a crucial step towards enhancing the quality of knowledge management and thereby e-health services in the pharmaceutical </a:t>
-            </a:r>
-            <a:r>
-              <a:rPr lang="en-US" sz="2200" dirty="0" smtClean="0">
-                <a:latin typeface="Arial" pitchFamily="34" charset="0"/>
-                <a:cs typeface="Arial" pitchFamily="34" charset="0"/>
-              </a:rPr>
-              <a:t>domain.</a:t>
+              <a:t>Providing a consistent connection between patients, physicians, pharmacists, pharmaceutical researchers and drug companies is a crucial step towards enhancing the quality of knowledge management and thereby e-health services in the pharmaceutical domain.</a:t>
             </a:r>
           </a:p>
           <a:p>
@@ -5736,14 +5563,7 @@
                 <a:latin typeface="Arial" pitchFamily="34" charset="0"/>
                 <a:cs typeface="Arial" pitchFamily="34" charset="0"/>
               </a:rPr>
-              <a:t>We </a:t>
-            </a:r>
-            <a:r>
-              <a:rPr lang="en-US" sz="2200" dirty="0" smtClean="0">
-                <a:latin typeface="Arial" pitchFamily="34" charset="0"/>
-                <a:cs typeface="Arial" pitchFamily="34" charset="0"/>
-              </a:rPr>
-              <a:t>introduced </a:t>
+              <a:t>We introduced </a:t>
             </a:r>
             <a:r>
               <a:rPr lang="en-US" sz="2200" b="1" dirty="0" smtClean="0">
@@ -5757,21 +5577,7 @@
                 <a:latin typeface="Arial" pitchFamily="34" charset="0"/>
                 <a:cs typeface="Arial" pitchFamily="34" charset="0"/>
               </a:rPr>
-              <a:t> </a:t>
-            </a:r>
-            <a:r>
-              <a:rPr lang="en-US" sz="2200" dirty="0" smtClean="0">
-                <a:latin typeface="Arial" pitchFamily="34" charset="0"/>
-                <a:cs typeface="Arial" pitchFamily="34" charset="0"/>
-              </a:rPr>
-              <a:t>as an </a:t>
-            </a:r>
-            <a:r>
-              <a:rPr lang="en-US" sz="2200" dirty="0" smtClean="0">
-                <a:latin typeface="Arial" pitchFamily="34" charset="0"/>
-                <a:cs typeface="Arial" pitchFamily="34" charset="0"/>
-              </a:rPr>
-              <a:t>approach for implementation of </a:t>
+              <a:t> as an approach for implementation of </a:t>
             </a:r>
             <a:r>
               <a:rPr lang="en-US" sz="2200" dirty="0" smtClean="0">
@@ -5790,14 +5596,7 @@
                 <a:latin typeface="Arial" pitchFamily="34" charset="0"/>
                 <a:cs typeface="Arial" pitchFamily="34" charset="0"/>
               </a:rPr>
-              <a:t>as intelligent medical prescriptions to improve the integration and interoperability of e-prescribing systems with other e-health </a:t>
-            </a:r>
-            <a:r>
-              <a:rPr lang="en-US" sz="2200" dirty="0" smtClean="0">
-                <a:latin typeface="Arial" pitchFamily="34" charset="0"/>
-                <a:cs typeface="Arial" pitchFamily="34" charset="0"/>
-              </a:rPr>
-              <a:t>services.</a:t>
+              <a:t>as intelligent medical prescriptions to improve the integration and interoperability of e-prescribing systems with other e-health services.</a:t>
             </a:r>
             <a:endParaRPr lang="en-US" sz="2200" dirty="0">
               <a:latin typeface="Arial" pitchFamily="34" charset="0"/>
@@ -5976,7 +5775,7 @@
             <a:fld id="{C6C68B18-911C-4789-9F62-C50C464285BA}" type="datetime3">
               <a:rPr lang="en-US" smtClean="0"/>
               <a:pPr/>
-              <a:t>19 November 2012</a:t>
+              <a:t>20 November 2012</a:t>
             </a:fld>
             <a:endParaRPr lang="en-US"/>
           </a:p>
@@ -6347,14 +6146,7 @@
                 <a:latin typeface="Arial" pitchFamily="34" charset="0"/>
                 <a:cs typeface="Arial" pitchFamily="34" charset="0"/>
               </a:rPr>
-              <a:t> Advantages of </a:t>
-            </a:r>
-            <a:r>
-              <a:rPr lang="en-US" sz="2400" dirty="0" smtClean="0">
-                <a:latin typeface="Arial" pitchFamily="34" charset="0"/>
-                <a:cs typeface="Arial" pitchFamily="34" charset="0"/>
-              </a:rPr>
-              <a:t>Semantic E-Prescriptions</a:t>
+              <a:t> Advantages of Semantic E-Prescriptions</a:t>
             </a:r>
           </a:p>
           <a:p>
@@ -6369,21 +6161,7 @@
                 <a:latin typeface="Arial" pitchFamily="34" charset="0"/>
                 <a:cs typeface="Arial" pitchFamily="34" charset="0"/>
               </a:rPr>
-              <a:t> Pharmer: Writing </a:t>
-            </a:r>
-            <a:r>
-              <a:rPr lang="en-US" sz="2400" dirty="0" smtClean="0">
-                <a:latin typeface="Arial" pitchFamily="34" charset="0"/>
-                <a:cs typeface="Arial" pitchFamily="34" charset="0"/>
-              </a:rPr>
-              <a:t>Semantic </a:t>
-            </a:r>
-            <a:r>
-              <a:rPr lang="en-US" sz="2400" dirty="0" smtClean="0">
-                <a:latin typeface="Arial" pitchFamily="34" charset="0"/>
-                <a:cs typeface="Arial" pitchFamily="34" charset="0"/>
-              </a:rPr>
-              <a:t>E-Prescriptions</a:t>
+              <a:t> Pharmer: Writing Semantic E-Prescriptions</a:t>
             </a:r>
           </a:p>
           <a:p>
@@ -6428,35 +6206,7 @@
                 <a:latin typeface="Arial" pitchFamily="34" charset="0"/>
                 <a:cs typeface="Arial" pitchFamily="34" charset="0"/>
               </a:rPr>
-              <a:t> Challenges </a:t>
-            </a:r>
-            <a:r>
-              <a:rPr lang="en-US" sz="2400" dirty="0" smtClean="0">
-                <a:latin typeface="Arial" pitchFamily="34" charset="0"/>
-                <a:cs typeface="Arial" pitchFamily="34" charset="0"/>
-              </a:rPr>
-              <a:t>of </a:t>
-            </a:r>
-            <a:r>
-              <a:rPr lang="en-US" sz="2400" dirty="0" smtClean="0">
-                <a:latin typeface="Arial" pitchFamily="34" charset="0"/>
-                <a:cs typeface="Arial" pitchFamily="34" charset="0"/>
-              </a:rPr>
-              <a:t>implementing Pharmer </a:t>
-            </a:r>
-            <a:r>
-              <a:rPr lang="en-US" sz="2400" dirty="0" smtClean="0">
-                <a:latin typeface="Arial" pitchFamily="34" charset="0"/>
-                <a:cs typeface="Arial" pitchFamily="34" charset="0"/>
-              </a:rPr>
-              <a:t>system in </a:t>
-            </a:r>
-            <a:r>
-              <a:rPr lang="en-US" sz="2400" dirty="0" smtClean="0">
-                <a:latin typeface="Arial" pitchFamily="34" charset="0"/>
-                <a:cs typeface="Arial" pitchFamily="34" charset="0"/>
-              </a:rPr>
-              <a:t>Iran</a:t>
+              <a:t> Challenges of implementing Pharmer system in Iran</a:t>
             </a:r>
           </a:p>
           <a:p>
@@ -6505,25 +6255,6 @@
               <a:pPr/>
               <a:t>20 November 2012</a:t>
             </a:fld>
-            <a:endParaRPr lang="en-US"/>
-          </a:p>
-        </p:txBody>
-      </p:sp>
-      <p:sp>
-        <p:nvSpPr>
-          <p:cNvPr id="5" name="Footer Placeholder 4"/>
-          <p:cNvSpPr>
-            <a:spLocks noGrp="1"/>
-          </p:cNvSpPr>
-          <p:nvPr>
-            <p:ph type="ftr" sz="quarter" idx="11"/>
-          </p:nvPr>
-        </p:nvSpPr>
-        <p:spPr/>
-        <p:txBody>
-          <a:bodyPr/>
-          <a:lstStyle/>
-          <a:p>
             <a:endParaRPr lang="en-US"/>
           </a:p>
         </p:txBody>
@@ -6911,11 +6642,7 @@
           <a:p>
             <a:r>
               <a:rPr lang="en-US" dirty="0" smtClean="0"/>
-              <a:t>Linked Open </a:t>
-            </a:r>
-            <a:r>
-              <a:rPr lang="en-US" dirty="0" smtClean="0"/>
-              <a:t>(Drug) Data</a:t>
+              <a:t>Linked Open (Drug) Data</a:t>
             </a:r>
             <a:endParaRPr lang="en-US" dirty="0"/>
           </a:p>
@@ -7576,11 +7303,7 @@
             </a:br>
             <a:r>
               <a:rPr lang="en-US" dirty="0" smtClean="0"/>
-              <a:t>Semantic </a:t>
-            </a:r>
-            <a:r>
-              <a:rPr lang="en-US" dirty="0" smtClean="0"/>
-              <a:t>Prescriptions</a:t>
+              <a:t>Semantic Prescriptions</a:t>
             </a:r>
             <a:br>
               <a:rPr lang="en-US" dirty="0" smtClean="0"/>
@@ -7717,21 +7440,7 @@
                 <a:latin typeface="Arial" pitchFamily="34" charset="0"/>
                 <a:cs typeface="Arial" pitchFamily="34" charset="0"/>
               </a:rPr>
-              <a:t>Persistent </a:t>
-            </a:r>
-            <a:r>
-              <a:rPr lang="en-US" sz="2400" dirty="0" smtClean="0">
-                <a:latin typeface="Arial" pitchFamily="34" charset="0"/>
-                <a:cs typeface="Arial" pitchFamily="34" charset="0"/>
-              </a:rPr>
-              <a:t>connection to up-to-date drug information coming from multiple dynamic data </a:t>
-            </a:r>
-            <a:r>
-              <a:rPr lang="en-US" sz="2400" dirty="0" smtClean="0">
-                <a:latin typeface="Arial" pitchFamily="34" charset="0"/>
-                <a:cs typeface="Arial" pitchFamily="34" charset="0"/>
-              </a:rPr>
-              <a:t>sources.</a:t>
+              <a:t>Persistent connection to up-to-date drug information coming from multiple dynamic data sources.</a:t>
             </a:r>
           </a:p>
           <a:p>
@@ -7860,21 +7569,7 @@
                 <a:latin typeface="Arial" pitchFamily="34" charset="0"/>
                 <a:cs typeface="Arial" pitchFamily="34" charset="0"/>
               </a:rPr>
-              <a:t>onnection </a:t>
-            </a:r>
-            <a:r>
-              <a:rPr lang="en-US" sz="2400" dirty="0" smtClean="0">
-                <a:latin typeface="Arial" pitchFamily="34" charset="0"/>
-                <a:cs typeface="Arial" pitchFamily="34" charset="0"/>
-              </a:rPr>
-              <a:t>of physicians, pharmacists, patients, pharmaceutical researchers and drug </a:t>
-            </a:r>
-            <a:r>
-              <a:rPr lang="en-US" sz="2400" dirty="0" smtClean="0">
-                <a:latin typeface="Arial" pitchFamily="34" charset="0"/>
-                <a:cs typeface="Arial" pitchFamily="34" charset="0"/>
-              </a:rPr>
-              <a:t>companies.</a:t>
+              <a:t>onnection of physicians, pharmacists, patients, pharmaceutical researchers and drug companies.</a:t>
             </a:r>
             <a:endParaRPr lang="en-US" sz="2400" dirty="0" smtClean="0">
               <a:latin typeface="Arial" pitchFamily="34" charset="0"/>
@@ -8004,7 +7699,15 @@
           <a:p>
             <a:r>
               <a:rPr lang="en-US" sz="3600" dirty="0" smtClean="0"/>
-              <a:t>Pharmer: Writing Semantic Prescription</a:t>
+              <a:t>Pharmer: Writing </a:t>
+            </a:r>
+            <a:r>
+              <a:rPr lang="en-US" sz="3600" smtClean="0"/>
+              <a:t>Semantic </a:t>
+            </a:r>
+            <a:r>
+              <a:rPr lang="en-US" sz="3600" smtClean="0"/>
+              <a:t>Prescriptions</a:t>
             </a:r>
             <a:endParaRPr lang="en-US" sz="3600" dirty="0"/>
           </a:p>
@@ -8043,21 +7746,7 @@
                 <a:latin typeface="Arial" pitchFamily="34" charset="0"/>
                 <a:cs typeface="Arial" pitchFamily="34" charset="0"/>
               </a:rPr>
-              <a:t> An </a:t>
-            </a:r>
-            <a:r>
-              <a:rPr lang="en-US" sz="2500" dirty="0" smtClean="0">
-                <a:latin typeface="Arial" pitchFamily="34" charset="0"/>
-                <a:cs typeface="Arial" pitchFamily="34" charset="0"/>
-              </a:rPr>
-              <a:t>application created as a proof of concept for the authoring of semantic prescriptions</a:t>
-            </a:r>
-            <a:r>
-              <a:rPr lang="en-US" sz="2500" dirty="0" smtClean="0">
-                <a:latin typeface="Arial" pitchFamily="34" charset="0"/>
-                <a:cs typeface="Arial" pitchFamily="34" charset="0"/>
-              </a:rPr>
-              <a:t>.</a:t>
+              <a:t> An application created as a proof of concept for the authoring of semantic prescriptions.</a:t>
             </a:r>
           </a:p>
           <a:p>
@@ -8088,11 +7777,7 @@
             </a:r>
             <a:r>
               <a:rPr lang="en-US" sz="2400" u="sng" dirty="0" smtClean="0"/>
-              <a:t>http://code.google.com/p/pharmer</a:t>
-            </a:r>
-            <a:r>
-              <a:rPr lang="en-US" sz="2400" u="sng" dirty="0" smtClean="0"/>
-              <a:t>/</a:t>
+              <a:t>http://code.google.com/p/pharmer/</a:t>
             </a:r>
             <a:r>
               <a:rPr lang="en-US" sz="2500" dirty="0" smtClean="0">
@@ -8137,48 +7822,20 @@
                 <a:latin typeface="Arial" pitchFamily="34" charset="0"/>
                 <a:cs typeface="Arial" pitchFamily="34" charset="0"/>
               </a:rPr>
-              <a:t>- Providing </a:t>
-            </a:r>
+              <a:t>- Providing Different Semantic Views</a:t>
+            </a:r>
+          </a:p>
+          <a:p>
+            <a:pPr lvl="1">
+              <a:buSzPct val="200000"/>
+              <a:buNone/>
+            </a:pPr>
             <a:r>
               <a:rPr lang="en-US" sz="2500" dirty="0" smtClean="0">
                 <a:latin typeface="Arial" pitchFamily="34" charset="0"/>
                 <a:cs typeface="Arial" pitchFamily="34" charset="0"/>
               </a:rPr>
-              <a:t>Different Semantic </a:t>
-            </a:r>
-            <a:r>
-              <a:rPr lang="en-US" sz="2500" dirty="0" smtClean="0">
-                <a:latin typeface="Arial" pitchFamily="34" charset="0"/>
-                <a:cs typeface="Arial" pitchFamily="34" charset="0"/>
-              </a:rPr>
-              <a:t>Views</a:t>
-            </a:r>
-          </a:p>
-          <a:p>
-            <a:pPr lvl="1">
-              <a:buSzPct val="200000"/>
-              <a:buNone/>
-            </a:pPr>
-            <a:r>
-              <a:rPr lang="en-US" sz="2500" dirty="0" smtClean="0">
-                <a:latin typeface="Arial" pitchFamily="34" charset="0"/>
-                <a:cs typeface="Arial" pitchFamily="34" charset="0"/>
-              </a:rPr>
-              <a:t>- Real-time </a:t>
-            </a:r>
-            <a:r>
-              <a:rPr lang="en-US" sz="2500" dirty="0" smtClean="0">
-                <a:latin typeface="Arial" pitchFamily="34" charset="0"/>
-                <a:cs typeface="Arial" pitchFamily="34" charset="0"/>
-              </a:rPr>
-              <a:t>Drug </a:t>
-            </a:r>
-            <a:r>
-              <a:rPr lang="en-US" sz="2500" dirty="0" smtClean="0">
-                <a:latin typeface="Arial" pitchFamily="34" charset="0"/>
-                <a:cs typeface="Arial" pitchFamily="34" charset="0"/>
-              </a:rPr>
-              <a:t>Tagging</a:t>
+              <a:t>- Real-time Drug Tagging</a:t>
             </a:r>
           </a:p>
           <a:p>
@@ -8204,19 +7861,8 @@
                 <a:latin typeface="Arial" pitchFamily="34" charset="0"/>
                 <a:cs typeface="Arial" pitchFamily="34" charset="0"/>
               </a:rPr>
-              <a:t>- Automatic </a:t>
-            </a:r>
-            <a:r>
-              <a:rPr lang="en-US" sz="2500" dirty="0" smtClean="0">
-                <a:latin typeface="Arial" pitchFamily="34" charset="0"/>
-                <a:cs typeface="Arial" pitchFamily="34" charset="0"/>
-              </a:rPr>
-              <a:t>Drug Annotation</a:t>
-            </a:r>
-            <a:endParaRPr lang="en-US" sz="2500" dirty="0" smtClean="0">
-              <a:latin typeface="Arial" pitchFamily="34" charset="0"/>
-              <a:cs typeface="Arial" pitchFamily="34" charset="0"/>
-            </a:endParaRPr>
+              <a:t>- Automatic Drug Annotation</a:t>
+            </a:r>
           </a:p>
         </p:txBody>
       </p:sp>
@@ -8456,7 +8102,7 @@
             <a:fld id="{33D1D3DF-7322-4835-A85B-637AD774DB5E}" type="datetime3">
               <a:rPr lang="en-US" smtClean="0"/>
               <a:pPr/>
-              <a:t>19 November 2012</a:t>
+              <a:t>20 November 2012</a:t>
             </a:fld>
             <a:endParaRPr lang="en-US"/>
           </a:p>

--- a/paper/iran_iceh/Pharmer_Presentation.pptx
+++ b/paper/iran_iceh/Pharmer_Presentation.pptx
@@ -5,7 +5,7 @@
     <p:sldMasterId id="2147483660" r:id="rId1"/>
   </p:sldMasterIdLst>
   <p:notesMasterIdLst>
-    <p:notesMasterId r:id="rId16"/>
+    <p:notesMasterId r:id="rId15"/>
   </p:notesMasterIdLst>
   <p:sldIdLst>
     <p:sldId id="256" r:id="rId2"/>
@@ -19,9 +19,8 @@
     <p:sldId id="264" r:id="rId10"/>
     <p:sldId id="262" r:id="rId11"/>
     <p:sldId id="265" r:id="rId12"/>
-    <p:sldId id="266" r:id="rId13"/>
-    <p:sldId id="267" r:id="rId14"/>
-    <p:sldId id="268" r:id="rId15"/>
+    <p:sldId id="267" r:id="rId13"/>
+    <p:sldId id="268" r:id="rId14"/>
   </p:sldIdLst>
   <p:sldSz cx="9144000" cy="6858000" type="screen4x3"/>
   <p:notesSz cx="6858000" cy="9144000"/>
@@ -206,7 +205,7 @@
             <a:fld id="{C3FE15BE-10D0-41C0-B470-A3CA0C754E55}" type="datetimeFigureOut">
               <a:rPr lang="en-US" smtClean="0"/>
               <a:pPr/>
-              <a:t>11/20/2012</a:t>
+              <a:t>12/18/2012</a:t>
             </a:fld>
             <a:endParaRPr lang="en-US"/>
           </a:p>
@@ -1131,7 +1130,7 @@
             <a:fld id="{5A6CADF9-B36D-4977-96AB-F70F3D4986FA}" type="datetime3">
               <a:rPr lang="en-US" smtClean="0"/>
               <a:pPr/>
-              <a:t>20 November 2012</a:t>
+              <a:t>18 December 2012</a:t>
             </a:fld>
             <a:endParaRPr lang="en-US"/>
           </a:p>
@@ -1316,7 +1315,7 @@
             <a:fld id="{7E9C0813-1AA2-43BF-AF39-5371724EBD70}" type="datetime3">
               <a:rPr lang="en-US" smtClean="0"/>
               <a:pPr/>
-              <a:t>20 November 2012</a:t>
+              <a:t>18 December 2012</a:t>
             </a:fld>
             <a:endParaRPr lang="en-US"/>
           </a:p>
@@ -1493,7 +1492,7 @@
             <a:fld id="{A2BCD4A3-AD48-42C8-BF69-AABC6289BDD2}" type="datetime3">
               <a:rPr lang="en-US" smtClean="0"/>
               <a:pPr/>
-              <a:t>20 November 2012</a:t>
+              <a:t>18 December 2012</a:t>
             </a:fld>
             <a:endParaRPr lang="en-US"/>
           </a:p>
@@ -1660,7 +1659,7 @@
             <a:fld id="{9E42EAA2-6CA5-4214-98EF-CFBB313B958A}" type="datetime3">
               <a:rPr lang="en-US" smtClean="0"/>
               <a:pPr/>
-              <a:t>20 November 2012</a:t>
+              <a:t>18 December 2012</a:t>
             </a:fld>
             <a:endParaRPr lang="en-US"/>
           </a:p>
@@ -1883,7 +1882,7 @@
             <a:fld id="{C85291A2-E50B-44CD-91DF-10C690B43752}" type="datetime3">
               <a:rPr lang="en-US" smtClean="0"/>
               <a:pPr/>
-              <a:t>20 November 2012</a:t>
+              <a:t>18 December 2012</a:t>
             </a:fld>
             <a:endParaRPr lang="en-US"/>
           </a:p>
@@ -2144,7 +2143,7 @@
             <a:fld id="{6C7D4B37-F4B9-42A7-99F4-0DA080D9BA5E}" type="datetime3">
               <a:rPr lang="en-US" smtClean="0"/>
               <a:pPr/>
-              <a:t>20 November 2012</a:t>
+              <a:t>18 December 2012</a:t>
             </a:fld>
             <a:endParaRPr lang="en-US"/>
           </a:p>
@@ -2550,7 +2549,7 @@
             <a:fld id="{D6D989E0-D13D-456B-ABD0-C2A945DC64AB}" type="datetime3">
               <a:rPr lang="en-US" smtClean="0"/>
               <a:pPr/>
-              <a:t>20 November 2012</a:t>
+              <a:t>18 December 2012</a:t>
             </a:fld>
             <a:endParaRPr lang="en-US"/>
           </a:p>
@@ -2683,7 +2682,7 @@
             <a:fld id="{C1DBCD4D-D5A1-487F-AE96-826F37D93FF2}" type="datetime3">
               <a:rPr lang="en-US" smtClean="0"/>
               <a:pPr/>
-              <a:t>20 November 2012</a:t>
+              <a:t>18 December 2012</a:t>
             </a:fld>
             <a:endParaRPr lang="en-US"/>
           </a:p>
@@ -2785,7 +2784,7 @@
             <a:fld id="{A4C0AB44-FC36-4D38-83BE-613871EE3C6C}" type="datetime3">
               <a:rPr lang="en-US" smtClean="0"/>
               <a:pPr/>
-              <a:t>20 November 2012</a:t>
+              <a:t>18 December 2012</a:t>
             </a:fld>
             <a:endParaRPr lang="en-US"/>
           </a:p>
@@ -3032,7 +3031,7 @@
             <a:fld id="{3435C13B-0FD6-4CA8-A944-BB9DECF6EB06}" type="datetime3">
               <a:rPr lang="en-US" smtClean="0"/>
               <a:pPr/>
-              <a:t>20 November 2012</a:t>
+              <a:t>18 December 2012</a:t>
             </a:fld>
             <a:endParaRPr lang="en-US"/>
           </a:p>
@@ -3278,7 +3277,7 @@
             <a:fld id="{B4753FA3-5F31-4AE1-B27D-B54144FC4DD7}" type="datetime3">
               <a:rPr lang="en-US" smtClean="0"/>
               <a:pPr/>
-              <a:t>20 November 2012</a:t>
+              <a:t>18 December 2012</a:t>
             </a:fld>
             <a:endParaRPr lang="en-US"/>
           </a:p>
@@ -4104,7 +4103,7 @@
             <a:fld id="{1F634619-18CA-4966-932D-04327250840E}" type="datetime3">
               <a:rPr lang="en-US" smtClean="0"/>
               <a:pPr/>
-              <a:t>20 November 2012</a:t>
+              <a:t>18 December 2012</a:t>
             </a:fld>
             <a:endParaRPr lang="en-US"/>
           </a:p>
@@ -4567,33 +4566,21 @@
         </p:spPr>
         <p:txBody>
           <a:bodyPr>
-            <a:normAutofit fontScale="77500" lnSpcReduction="20000"/>
+            <a:noAutofit/>
           </a:bodyPr>
           <a:lstStyle/>
           <a:p>
             <a:r>
-              <a:rPr lang="en-US" dirty="0" smtClean="0"/>
-              <a:t>Dr. </a:t>
-            </a:r>
-            <a:r>
-              <a:rPr lang="en-US" dirty="0" err="1" smtClean="0"/>
-              <a:t>Behnam</a:t>
-            </a:r>
-            <a:r>
-              <a:rPr lang="en-US" dirty="0" smtClean="0"/>
-              <a:t> Sedaghati</a:t>
-            </a:r>
-          </a:p>
-          <a:p>
-            <a:r>
-              <a:rPr lang="en-US" dirty="0" smtClean="0"/>
-              <a:t>            </a:t>
-            </a:r>
-            <a:r>
-              <a:rPr lang="en-US" sz="1800" dirty="0" err="1" smtClean="0"/>
-              <a:t>Pharm.D</a:t>
-            </a:r>
-            <a:endParaRPr lang="en-US" sz="1800" dirty="0" smtClean="0"/>
+              <a:rPr lang="en-US" sz="2800" dirty="0" smtClean="0"/>
+              <a:t>Ali Khalili</a:t>
+            </a:r>
+          </a:p>
+          <a:p>
+            <a:r>
+              <a:rPr lang="en-US" sz="2800" dirty="0" smtClean="0"/>
+              <a:t>Bita Sedaghati</a:t>
+            </a:r>
+            <a:endParaRPr lang="en-US" sz="2800" dirty="0" smtClean="0"/>
           </a:p>
         </p:txBody>
       </p:sp>
@@ -4615,7 +4602,7 @@
             <a:fld id="{464366B9-85B5-4A13-A72A-A8490D0164D2}" type="datetime3">
               <a:rPr lang="en-US" smtClean="0"/>
               <a:pPr/>
-              <a:t>20 November 2012</a:t>
+              <a:t>18 December 2012</a:t>
             </a:fld>
             <a:endParaRPr lang="en-US"/>
           </a:p>
@@ -4817,7 +4804,7 @@
             <a:fld id="{CC03901C-FA64-4075-A8A6-EEB9CC0D87B2}" type="datetime3">
               <a:rPr lang="en-US" smtClean="0"/>
               <a:pPr/>
-              <a:t>20 November 2012</a:t>
+              <a:t>18 December 2012</a:t>
             </a:fld>
             <a:endParaRPr lang="en-US"/>
           </a:p>
@@ -5132,7 +5119,7 @@
             <a:fld id="{B60121D2-ECB2-464D-AEDF-8CA55A0CD0F1}" type="datetime3">
               <a:rPr lang="en-US" smtClean="0"/>
               <a:pPr/>
-              <a:t>20 November 2012</a:t>
+              <a:t>18 December 2012</a:t>
             </a:fld>
             <a:endParaRPr lang="en-US"/>
           </a:p>
@@ -5250,8 +5237,36 @@
         </p:nvSpPr>
         <p:spPr>
           <a:xfrm>
-            <a:off x="152400" y="457200"/>
-            <a:ext cx="8382000" cy="1143000"/>
+            <a:off x="685800" y="457200"/>
+            <a:ext cx="8229600" cy="1066800"/>
+          </a:xfrm>
+        </p:spPr>
+        <p:txBody>
+          <a:bodyPr/>
+          <a:lstStyle/>
+          <a:p>
+            <a:r>
+              <a:rPr lang="en-US" dirty="0" smtClean="0"/>
+              <a:t>Conclusion</a:t>
+            </a:r>
+            <a:endParaRPr lang="en-US" dirty="0"/>
+          </a:p>
+        </p:txBody>
+      </p:sp>
+      <p:sp>
+        <p:nvSpPr>
+          <p:cNvPr id="3" name="Content Placeholder 2"/>
+          <p:cNvSpPr>
+            <a:spLocks noGrp="1"/>
+          </p:cNvSpPr>
+          <p:nvPr>
+            <p:ph idx="1"/>
+          </p:nvPr>
+        </p:nvSpPr>
+        <p:spPr>
+          <a:xfrm>
+            <a:off x="457200" y="1828800"/>
+            <a:ext cx="8229600" cy="4325112"/>
           </a:xfrm>
         </p:spPr>
         <p:txBody>
@@ -5260,74 +5275,65 @@
           </a:bodyPr>
           <a:lstStyle/>
           <a:p>
-            <a:r>
-              <a:rPr lang="en-US" sz="3000" dirty="0"/>
-              <a:t>Challenges of </a:t>
-            </a:r>
-            <a:r>
-              <a:rPr lang="en-US" sz="3000" dirty="0" smtClean="0"/>
-              <a:t>implementing</a:t>
-            </a:r>
-            <a:br>
-              <a:rPr lang="en-US" sz="3000" dirty="0" smtClean="0"/>
-            </a:br>
-            <a:r>
-              <a:rPr lang="en-US" sz="3000" dirty="0" smtClean="0"/>
-              <a:t>Pharmer </a:t>
-            </a:r>
-            <a:r>
-              <a:rPr lang="en-US" sz="3000" dirty="0"/>
-              <a:t>system in Iran</a:t>
-            </a:r>
-          </a:p>
-        </p:txBody>
-      </p:sp>
-      <p:sp>
-        <p:nvSpPr>
-          <p:cNvPr id="3" name="Content Placeholder 2"/>
-          <p:cNvSpPr>
-            <a:spLocks noGrp="1"/>
-          </p:cNvSpPr>
-          <p:nvPr>
-            <p:ph idx="1"/>
-          </p:nvPr>
-        </p:nvSpPr>
-        <p:spPr>
-          <a:xfrm>
-            <a:off x="457200" y="1676400"/>
-            <a:ext cx="8229600" cy="4325112"/>
-          </a:xfrm>
-        </p:spPr>
-        <p:txBody>
-          <a:bodyPr/>
-          <a:lstStyle/>
-          <a:p>
-            <a:r>
-              <a:rPr lang="en-US" dirty="0" smtClean="0">
+            <a:pPr algn="just"/>
+            <a:r>
+              <a:rPr lang="en-US" sz="2200" dirty="0" smtClean="0">
                 <a:latin typeface="Arial" pitchFamily="34" charset="0"/>
                 <a:cs typeface="Arial" pitchFamily="34" charset="0"/>
               </a:rPr>
-              <a:t>Defining health record models based on Pharmer,</a:t>
-            </a:r>
-          </a:p>
-          <a:p>
-            <a:r>
-              <a:rPr lang="en-US" dirty="0" smtClean="0">
+              <a:t>Providing a consistent connection between patients, physicians, pharmacists, pharmaceutical researchers and drug companies is a crucial step towards enhancing the quality of knowledge management and thereby e-health services in the pharmaceutical domain.</a:t>
+            </a:r>
+          </a:p>
+          <a:p>
+            <a:pPr algn="just"/>
+            <a:endParaRPr lang="en-US" sz="2200" dirty="0" smtClean="0">
+              <a:latin typeface="Arial" pitchFamily="34" charset="0"/>
+              <a:cs typeface="Arial" pitchFamily="34" charset="0"/>
+            </a:endParaRPr>
+          </a:p>
+          <a:p>
+            <a:pPr algn="just"/>
+            <a:r>
+              <a:rPr lang="en-US" sz="2200" dirty="0" smtClean="0">
                 <a:latin typeface="Arial" pitchFamily="34" charset="0"/>
                 <a:cs typeface="Arial" pitchFamily="34" charset="0"/>
               </a:rPr>
-              <a:t> Educating people to get familiar to the new system and its advantages</a:t>
-            </a:r>
-          </a:p>
-          <a:p>
-            <a:r>
-              <a:rPr lang="en-US" dirty="0" smtClean="0">
+              <a:t>We introduced </a:t>
+            </a:r>
+            <a:r>
+              <a:rPr lang="en-US" sz="2200" b="1" dirty="0" smtClean="0">
                 <a:latin typeface="Arial" pitchFamily="34" charset="0"/>
                 <a:cs typeface="Arial" pitchFamily="34" charset="0"/>
               </a:rPr>
-              <a:t>Internet access limitation</a:t>
-            </a:r>
-            <a:endParaRPr lang="en-US" dirty="0">
+              <a:t>Pharmer</a:t>
+            </a:r>
+            <a:r>
+              <a:rPr lang="en-US" sz="2200" dirty="0" smtClean="0">
+                <a:latin typeface="Arial" pitchFamily="34" charset="0"/>
+                <a:cs typeface="Arial" pitchFamily="34" charset="0"/>
+              </a:rPr>
+              <a:t> as an approach for implementation of </a:t>
+            </a:r>
+            <a:r>
+              <a:rPr lang="en-US" sz="2200" dirty="0" smtClean="0">
+                <a:solidFill>
+                  <a:schemeClr val="accent3">
+                    <a:lumMod val="75000"/>
+                  </a:schemeClr>
+                </a:solidFill>
+                <a:latin typeface="Arial" pitchFamily="34" charset="0"/>
+                <a:cs typeface="Arial" pitchFamily="34" charset="0"/>
+              </a:rPr>
+              <a:t>Semantic Prescriptions </a:t>
+            </a:r>
+            <a:r>
+              <a:rPr lang="en-US" sz="2200" dirty="0" smtClean="0">
+                <a:latin typeface="Arial" pitchFamily="34" charset="0"/>
+                <a:cs typeface="Arial" pitchFamily="34" charset="0"/>
+              </a:rPr>
+              <a:t>as intelligent medical prescriptions to improve the integration and interoperability of e-prescribing systems with other e-health services.</a:t>
+            </a:r>
+            <a:endParaRPr lang="en-US" sz="2200" dirty="0">
               <a:latin typeface="Arial" pitchFamily="34" charset="0"/>
               <a:cs typeface="Arial" pitchFamily="34" charset="0"/>
             </a:endParaRPr>
@@ -5349,10 +5355,10 @@
           <a:bodyPr/>
           <a:lstStyle/>
           <a:p>
-            <a:fld id="{7C810030-2C5E-439D-B970-B3A02E87CC71}" type="datetime3">
+            <a:fld id="{BA620058-3484-4A0A-A199-719A4114EA07}" type="datetime3">
               <a:rPr lang="en-US" smtClean="0"/>
               <a:pPr/>
-              <a:t>20 November 2012</a:t>
+              <a:t>18 December 2012</a:t>
             </a:fld>
             <a:endParaRPr lang="en-US"/>
           </a:p>
@@ -5384,7 +5390,7 @@
       </p:sp>
       <p:sp>
         <p:nvSpPr>
-          <p:cNvPr id="8" name="Footer Placeholder 5"/>
+          <p:cNvPr id="7" name="Footer Placeholder 5"/>
           <p:cNvSpPr>
             <a:spLocks noGrp="1"/>
           </p:cNvSpPr>
@@ -5426,38 +5432,6 @@
           </a:p>
         </p:txBody>
       </p:sp>
-      <p:pic>
-        <p:nvPicPr>
-          <p:cNvPr id="1026" name="Chart 1"/>
-          <p:cNvPicPr>
-            <a:picLocks noChangeArrowheads="1"/>
-          </p:cNvPicPr>
-          <p:nvPr/>
-        </p:nvPicPr>
-        <p:blipFill>
-          <a:blip r:embed="rId2" cstate="print"/>
-          <a:srcRect/>
-          <a:stretch>
-            <a:fillRect/>
-          </a:stretch>
-        </p:blipFill>
-        <p:spPr bwMode="auto">
-          <a:xfrm>
-            <a:off x="2117725" y="3962400"/>
-            <a:ext cx="4587875" cy="2743200"/>
-          </a:xfrm>
-          <a:prstGeom prst="rect">
-            <a:avLst/>
-          </a:prstGeom>
-          <a:noFill/>
-          <a:ln w="9525">
-            <a:noFill/>
-            <a:miter lim="800000"/>
-            <a:headEnd/>
-            <a:tailEnd/>
-          </a:ln>
-        </p:spPr>
-      </p:pic>
     </p:spTree>
   </p:cSld>
   <p:clrMapOvr>
@@ -5502,7 +5476,7 @@
         </p:nvSpPr>
         <p:spPr>
           <a:xfrm>
-            <a:off x="685800" y="457200"/>
+            <a:off x="457200" y="381000"/>
             <a:ext cx="8229600" cy="1066800"/>
           </a:xfrm>
         </p:spPr>
@@ -5512,7 +5486,7 @@
           <a:p>
             <a:r>
               <a:rPr lang="en-US" dirty="0" smtClean="0"/>
-              <a:t>Conclusion</a:t>
+              <a:t>Questions</a:t>
             </a:r>
             <a:endParaRPr lang="en-US" dirty="0"/>
           </a:p>
@@ -5520,93 +5494,6 @@
       </p:sp>
       <p:sp>
         <p:nvSpPr>
-          <p:cNvPr id="3" name="Content Placeholder 2"/>
-          <p:cNvSpPr>
-            <a:spLocks noGrp="1"/>
-          </p:cNvSpPr>
-          <p:nvPr>
-            <p:ph idx="1"/>
-          </p:nvPr>
-        </p:nvSpPr>
-        <p:spPr>
-          <a:xfrm>
-            <a:off x="457200" y="1828800"/>
-            <a:ext cx="8229600" cy="4325112"/>
-          </a:xfrm>
-        </p:spPr>
-        <p:txBody>
-          <a:bodyPr>
-            <a:normAutofit/>
-          </a:bodyPr>
-          <a:lstStyle/>
-          <a:p>
-            <a:pPr algn="just"/>
-            <a:r>
-              <a:rPr lang="en-US" sz="2200" dirty="0" smtClean="0">
-                <a:latin typeface="Arial" pitchFamily="34" charset="0"/>
-                <a:cs typeface="Arial" pitchFamily="34" charset="0"/>
-              </a:rPr>
-              <a:t>Providing a consistent connection between patients, physicians, pharmacists, pharmaceutical researchers and drug companies is a crucial step towards enhancing the quality of knowledge management and thereby e-health services in the pharmaceutical domain.</a:t>
-            </a:r>
-          </a:p>
-          <a:p>
-            <a:pPr algn="just"/>
-            <a:endParaRPr lang="en-US" sz="2200" dirty="0" smtClean="0">
-              <a:latin typeface="Arial" pitchFamily="34" charset="0"/>
-              <a:cs typeface="Arial" pitchFamily="34" charset="0"/>
-            </a:endParaRPr>
-          </a:p>
-          <a:p>
-            <a:pPr algn="just"/>
-            <a:r>
-              <a:rPr lang="en-US" sz="2200" dirty="0" smtClean="0">
-                <a:latin typeface="Arial" pitchFamily="34" charset="0"/>
-                <a:cs typeface="Arial" pitchFamily="34" charset="0"/>
-              </a:rPr>
-              <a:t>We introduced </a:t>
-            </a:r>
-            <a:r>
-              <a:rPr lang="en-US" sz="2200" b="1" dirty="0" smtClean="0">
-                <a:latin typeface="Arial" pitchFamily="34" charset="0"/>
-                <a:cs typeface="Arial" pitchFamily="34" charset="0"/>
-              </a:rPr>
-              <a:t>Pharmer</a:t>
-            </a:r>
-            <a:r>
-              <a:rPr lang="en-US" sz="2200" dirty="0" smtClean="0">
-                <a:latin typeface="Arial" pitchFamily="34" charset="0"/>
-                <a:cs typeface="Arial" pitchFamily="34" charset="0"/>
-              </a:rPr>
-              <a:t> as an approach for implementation of </a:t>
-            </a:r>
-            <a:r>
-              <a:rPr lang="en-US" sz="2200" dirty="0" smtClean="0">
-                <a:solidFill>
-                  <a:schemeClr val="accent3">
-                    <a:lumMod val="75000"/>
-                  </a:schemeClr>
-                </a:solidFill>
-                <a:latin typeface="Arial" pitchFamily="34" charset="0"/>
-                <a:cs typeface="Arial" pitchFamily="34" charset="0"/>
-              </a:rPr>
-              <a:t>Semantic Prescriptions </a:t>
-            </a:r>
-            <a:r>
-              <a:rPr lang="en-US" sz="2200" dirty="0" smtClean="0">
-                <a:latin typeface="Arial" pitchFamily="34" charset="0"/>
-                <a:cs typeface="Arial" pitchFamily="34" charset="0"/>
-              </a:rPr>
-              <a:t>as intelligent medical prescriptions to improve the integration and interoperability of e-prescribing systems with other e-health services.</a:t>
-            </a:r>
-            <a:endParaRPr lang="en-US" sz="2200" dirty="0">
-              <a:latin typeface="Arial" pitchFamily="34" charset="0"/>
-              <a:cs typeface="Arial" pitchFamily="34" charset="0"/>
-            </a:endParaRPr>
-          </a:p>
-        </p:txBody>
-      </p:sp>
-      <p:sp>
-        <p:nvSpPr>
           <p:cNvPr id="4" name="Date Placeholder 3"/>
           <p:cNvSpPr>
             <a:spLocks noGrp="1"/>
@@ -5620,10 +5507,10 @@
           <a:bodyPr/>
           <a:lstStyle/>
           <a:p>
-            <a:fld id="{BA620058-3484-4A0A-A199-719A4114EA07}" type="datetime3">
+            <a:fld id="{C6C68B18-911C-4789-9F62-C50C464285BA}" type="datetime3">
               <a:rPr lang="en-US" smtClean="0"/>
               <a:pPr/>
-              <a:t>20 November 2012</a:t>
+              <a:t>18 December 2012</a:t>
             </a:fld>
             <a:endParaRPr lang="en-US"/>
           </a:p>
@@ -5648,158 +5535,6 @@
               <a:rPr lang="en-US" smtClean="0"/>
               <a:pPr/>
               <a:t>13</a:t>
-            </a:fld>
-            <a:endParaRPr lang="en-US"/>
-          </a:p>
-        </p:txBody>
-      </p:sp>
-      <p:sp>
-        <p:nvSpPr>
-          <p:cNvPr id="7" name="Footer Placeholder 5"/>
-          <p:cNvSpPr>
-            <a:spLocks noGrp="1"/>
-          </p:cNvSpPr>
-          <p:nvPr>
-            <p:ph type="ftr" sz="quarter" idx="11"/>
-          </p:nvPr>
-        </p:nvSpPr>
-        <p:spPr>
-          <a:xfrm>
-            <a:off x="4495800" y="76200"/>
-            <a:ext cx="3886200" cy="457200"/>
-          </a:xfrm>
-        </p:spPr>
-        <p:txBody>
-          <a:bodyPr/>
-          <a:lstStyle/>
-          <a:p>
-            <a:r>
-              <a:rPr lang="en-US" dirty="0" smtClean="0">
-                <a:solidFill>
-                  <a:schemeClr val="bg1">
-                    <a:lumMod val="95000"/>
-                  </a:schemeClr>
-                </a:solidFill>
-                <a:latin typeface="Arial" pitchFamily="34" charset="0"/>
-                <a:cs typeface="Arial" pitchFamily="34" charset="0"/>
-              </a:rPr>
-              <a:t>A New Approach to E-Prescribing: Semantic Medical Prescriptions</a:t>
-            </a:r>
-            <a:endParaRPr lang="en-US" dirty="0">
-              <a:solidFill>
-                <a:schemeClr val="bg1">
-                  <a:lumMod val="95000"/>
-                </a:schemeClr>
-              </a:solidFill>
-              <a:latin typeface="Arial" pitchFamily="34" charset="0"/>
-              <a:cs typeface="Arial" pitchFamily="34" charset="0"/>
-            </a:endParaRPr>
-          </a:p>
-        </p:txBody>
-      </p:sp>
-    </p:spTree>
-  </p:cSld>
-  <p:clrMapOvr>
-    <a:masterClrMapping/>
-  </p:clrMapOvr>
-  <p:timing>
-    <p:tnLst>
-      <p:par>
-        <p:cTn id="1" dur="indefinite" restart="never" nodeType="tmRoot"/>
-      </p:par>
-    </p:tnLst>
-  </p:timing>
-</p:sld>
-</file>
-
-<file path=ppt/slides/slide14.xml><?xml version="1.0" encoding="utf-8"?>
-<p:sld xmlns:a="http://schemas.openxmlformats.org/drawingml/2006/main" xmlns:r="http://schemas.openxmlformats.org/officeDocument/2006/relationships" xmlns:p="http://schemas.openxmlformats.org/presentationml/2006/main">
-  <p:cSld>
-    <p:spTree>
-      <p:nvGrpSpPr>
-        <p:cNvPr id="1" name=""/>
-        <p:cNvGrpSpPr/>
-        <p:nvPr/>
-      </p:nvGrpSpPr>
-      <p:grpSpPr>
-        <a:xfrm>
-          <a:off x="0" y="0"/>
-          <a:ext cx="0" cy="0"/>
-          <a:chOff x="0" y="0"/>
-          <a:chExt cx="0" cy="0"/>
-        </a:xfrm>
-      </p:grpSpPr>
-      <p:sp>
-        <p:nvSpPr>
-          <p:cNvPr id="2" name="Title 1"/>
-          <p:cNvSpPr>
-            <a:spLocks noGrp="1"/>
-          </p:cNvSpPr>
-          <p:nvPr>
-            <p:ph type="title"/>
-          </p:nvPr>
-        </p:nvSpPr>
-        <p:spPr>
-          <a:xfrm>
-            <a:off x="457200" y="381000"/>
-            <a:ext cx="8229600" cy="1066800"/>
-          </a:xfrm>
-        </p:spPr>
-        <p:txBody>
-          <a:bodyPr/>
-          <a:lstStyle/>
-          <a:p>
-            <a:r>
-              <a:rPr lang="en-US" dirty="0" smtClean="0"/>
-              <a:t>Questions</a:t>
-            </a:r>
-            <a:endParaRPr lang="en-US" dirty="0"/>
-          </a:p>
-        </p:txBody>
-      </p:sp>
-      <p:sp>
-        <p:nvSpPr>
-          <p:cNvPr id="4" name="Date Placeholder 3"/>
-          <p:cNvSpPr>
-            <a:spLocks noGrp="1"/>
-          </p:cNvSpPr>
-          <p:nvPr>
-            <p:ph type="dt" sz="half" idx="10"/>
-          </p:nvPr>
-        </p:nvSpPr>
-        <p:spPr/>
-        <p:txBody>
-          <a:bodyPr/>
-          <a:lstStyle/>
-          <a:p>
-            <a:fld id="{C6C68B18-911C-4789-9F62-C50C464285BA}" type="datetime3">
-              <a:rPr lang="en-US" smtClean="0"/>
-              <a:pPr/>
-              <a:t>20 November 2012</a:t>
-            </a:fld>
-            <a:endParaRPr lang="en-US"/>
-          </a:p>
-        </p:txBody>
-      </p:sp>
-      <p:sp>
-        <p:nvSpPr>
-          <p:cNvPr id="5" name="Slide Number Placeholder 4"/>
-          <p:cNvSpPr>
-            <a:spLocks noGrp="1"/>
-          </p:cNvSpPr>
-          <p:nvPr>
-            <p:ph type="sldNum" sz="quarter" idx="12"/>
-          </p:nvPr>
-        </p:nvSpPr>
-        <p:spPr/>
-        <p:txBody>
-          <a:bodyPr/>
-          <a:lstStyle/>
-          <a:p>
-            <a:fld id="{EAC7419A-46D7-42A3-A07C-988FC9723E0B}" type="slidenum">
-              <a:rPr lang="en-US" smtClean="0"/>
-              <a:pPr/>
-              <a:t>14</a:t>
             </a:fld>
             <a:endParaRPr lang="en-US"/>
           </a:p>
@@ -6206,8 +5941,19 @@
                 <a:latin typeface="Arial" pitchFamily="34" charset="0"/>
                 <a:cs typeface="Arial" pitchFamily="34" charset="0"/>
               </a:rPr>
-              <a:t> Challenges of implementing Pharmer system in Iran</a:t>
-            </a:r>
+              <a:t> </a:t>
+            </a:r>
+            <a:r>
+              <a:rPr lang="en-US" sz="2400" dirty="0" smtClean="0">
+                <a:latin typeface="Arial" pitchFamily="34" charset="0"/>
+                <a:cs typeface="Arial" pitchFamily="34" charset="0"/>
+              </a:rPr>
+              <a:t>Conclusion</a:t>
+            </a:r>
+            <a:endParaRPr lang="en-US" sz="2400" dirty="0" smtClean="0">
+              <a:latin typeface="Arial" pitchFamily="34" charset="0"/>
+              <a:cs typeface="Arial" pitchFamily="34" charset="0"/>
+            </a:endParaRPr>
           </a:p>
           <a:p>
             <a:pPr>
@@ -6253,7 +5999,7 @@
             <a:fld id="{9E42EAA2-6CA5-4214-98EF-CFBB313B958A}" type="datetime3">
               <a:rPr lang="en-US" smtClean="0"/>
               <a:pPr/>
-              <a:t>20 November 2012</a:t>
+              <a:t>18 December 2012</a:t>
             </a:fld>
             <a:endParaRPr lang="en-US"/>
           </a:p>
@@ -6361,7 +6107,7 @@
             <a:fld id="{B2650C92-F13C-4894-9913-AF09D75F8F1C}" type="datetime3">
               <a:rPr lang="en-US" smtClean="0"/>
               <a:pPr/>
-              <a:t>20 November 2012</a:t>
+              <a:t>18 December 2012</a:t>
             </a:fld>
             <a:endParaRPr lang="en-US"/>
           </a:p>
@@ -6700,7 +6446,7 @@
             <a:fld id="{29244D23-C7AA-4D4F-8DD9-A1AA49481EAE}" type="datetime3">
               <a:rPr lang="en-US" smtClean="0"/>
               <a:pPr/>
-              <a:t>20 November 2012</a:t>
+              <a:t>18 December 2012</a:t>
             </a:fld>
             <a:endParaRPr lang="en-US"/>
           </a:p>
@@ -6852,7 +6598,7 @@
             <a:fld id="{2FABA23A-8A04-488B-9AE6-EF49423E8ED3}" type="datetime3">
               <a:rPr lang="en-US" smtClean="0"/>
               <a:pPr/>
-              <a:t>20 November 2012</a:t>
+              <a:t>18 December 2012</a:t>
             </a:fld>
             <a:endParaRPr lang="en-US"/>
           </a:p>
@@ -7134,7 +6880,7 @@
             <a:fld id="{F955AB6D-3BDD-45AB-BF49-96C90E69FA5E}" type="datetime3">
               <a:rPr lang="en-US" smtClean="0"/>
               <a:pPr/>
-              <a:t>20 November 2012</a:t>
+              <a:t>18 December 2012</a:t>
             </a:fld>
             <a:endParaRPr lang="en-US"/>
           </a:p>
@@ -7330,7 +7076,7 @@
             <a:fld id="{CC03901C-FA64-4075-A8A6-EEB9CC0D87B2}" type="datetime3">
               <a:rPr lang="en-US" smtClean="0"/>
               <a:pPr/>
-              <a:t>20 November 2012</a:t>
+              <a:t>18 December 2012</a:t>
             </a:fld>
             <a:endParaRPr lang="en-US"/>
           </a:p>
@@ -7703,11 +7449,7 @@
             </a:r>
             <a:r>
               <a:rPr lang="en-US" sz="3600" smtClean="0"/>
-              <a:t>Semantic </a:t>
-            </a:r>
-            <a:r>
-              <a:rPr lang="en-US" sz="3600" smtClean="0"/>
-              <a:t>Prescriptions</a:t>
+              <a:t>Semantic Prescriptions</a:t>
             </a:r>
             <a:endParaRPr lang="en-US" sz="3600" dirty="0"/>
           </a:p>
@@ -7884,7 +7626,7 @@
             <a:fld id="{1E37691F-88B7-421A-9978-8A1C03378F92}" type="datetime3">
               <a:rPr lang="en-US" smtClean="0"/>
               <a:pPr/>
-              <a:t>20 November 2012</a:t>
+              <a:t>18 December 2012</a:t>
             </a:fld>
             <a:endParaRPr lang="en-US"/>
           </a:p>
@@ -8102,7 +7844,7 @@
             <a:fld id="{33D1D3DF-7322-4835-A85B-637AD774DB5E}" type="datetime3">
               <a:rPr lang="en-US" smtClean="0"/>
               <a:pPr/>
-              <a:t>20 November 2012</a:t>
+              <a:t>18 December 2012</a:t>
             </a:fld>
             <a:endParaRPr lang="en-US"/>
           </a:p>
